--- a/presentation/presentazione.pptx
+++ b/presentation/presentazione.pptx
@@ -1,6 +1,6 @@
 
 <file path=ppt/presentation.xml><?xml version="1.0" encoding="utf-8"?>
-<p:presentation xmlns:a="http://schemas.openxmlformats.org/drawingml/2006/main" xmlns:r="http://schemas.openxmlformats.org/officeDocument/2006/relationships" xmlns:p="http://schemas.openxmlformats.org/presentationml/2006/main" strictFirstAndLastChars="0" embedTrueTypeFonts="1" saveSubsetFonts="1" autoCompressPictures="0">
+<p:presentation xmlns:a="http://schemas.openxmlformats.org/drawingml/2006/main" xmlns:r="http://schemas.openxmlformats.org/officeDocument/2006/relationships" xmlns:p="http://schemas.openxmlformats.org/presentationml/2006/main" strictFirstAndLastChars="0" embedTrueTypeFonts="1" autoCompressPictures="0">
   <p:sldMasterIdLst>
     <p:sldMasterId id="2147483681" r:id="rId1"/>
   </p:sldMasterIdLst>
@@ -20019,13 +20019,13 @@
   <p:clrMapOvr>
     <a:masterClrMapping/>
   </p:clrMapOvr>
-  <mc:AlternateContent xmlns:mc="http://schemas.openxmlformats.org/markup-compatibility/2006">
-    <mc:Choice xmlns:p14="http://schemas.microsoft.com/office/powerpoint/2010/main" Requires="p14">
+  <mc:AlternateContent xmlns:mc="http://schemas.openxmlformats.org/markup-compatibility/2006" xmlns:p14="http://schemas.microsoft.com/office/powerpoint/2010/main">
+    <mc:Choice Requires="p14">
       <p:transition spd="slow" p14:dur="1250">
         <p:push dir="u"/>
       </p:transition>
     </mc:Choice>
-    <mc:Fallback>
+    <mc:Fallback xmlns="">
       <p:transition spd="slow">
         <p:push dir="u"/>
       </p:transition>

--- a/presentation/presentazione.pptx
+++ b/presentation/presentazione.pptx
@@ -1148,7 +1148,7 @@
               </a:spcAft>
               <a:buNone/>
             </a:pPr>
-            <a:endParaRPr/>
+            <a:endParaRPr dirty="0"/>
           </a:p>
         </p:txBody>
       </p:sp>
@@ -19119,7 +19119,7 @@
             <a:p>
               <a:pPr algn="ctr"/>
               <a:r>
-                <a:rPr kumimoji="0" lang="it-IT" sz="3500" b="1" i="0" u="none" strike="noStrike" kern="0" cap="none" spc="0" normalizeH="0" baseline="0" noProof="0" dirty="0">
+                <a:rPr kumimoji="0" lang="it-IT" sz="3200" b="1" i="0" u="none" strike="noStrike" kern="0" cap="none" spc="0" normalizeH="0" baseline="0" noProof="0" dirty="0">
                   <a:ln>
                     <a:noFill/>
                   </a:ln>
@@ -19336,9 +19336,42 @@
             <a:bodyPr vert="vert270" wrap="square" lIns="0" tIns="180000" rIns="0" bIns="180000" rtlCol="0" anchor="ctr"/>
             <a:lstStyle/>
             <a:p>
-              <a:pPr algn="ctr"/>
+              <a:pPr algn="ctr">
+                <a:lnSpc>
+                  <a:spcPct val="80000"/>
+                </a:lnSpc>
+              </a:pPr>
               <a:r>
-                <a:rPr kumimoji="0" lang="it-IT" sz="3500" b="1" i="0" u="none" strike="noStrike" kern="0" cap="none" spc="0" normalizeH="0" baseline="0" noProof="0" dirty="0">
+                <a:rPr lang="it-IT" sz="2800" b="1" dirty="0">
+                  <a:solidFill>
+                    <a:schemeClr val="bg1"/>
+                  </a:solidFill>
+                  <a:latin typeface="Outfit"/>
+                  <a:sym typeface="Outfit"/>
+                </a:rPr>
+                <a:t>Caratterizzazione</a:t>
+              </a:r>
+              <a:br>
+                <a:rPr lang="it-IT" sz="2800" b="1" dirty="0">
+                  <a:solidFill>
+                    <a:schemeClr val="bg1"/>
+                  </a:solidFill>
+                  <a:latin typeface="Outfit"/>
+                  <a:sym typeface="Outfit"/>
+                </a:rPr>
+              </a:br>
+              <a:r>
+                <a:rPr lang="it-IT" sz="2800" b="1" dirty="0">
+                  <a:solidFill>
+                    <a:schemeClr val="bg1"/>
+                  </a:solidFill>
+                  <a:latin typeface="Outfit"/>
+                  <a:sym typeface="Outfit"/>
+                </a:rPr>
+                <a:t>del</a:t>
+              </a:r>
+              <a:r>
+                <a:rPr kumimoji="0" lang="it-IT" sz="2800" b="1" i="0" u="none" strike="noStrike" kern="0" cap="none" spc="0" normalizeH="0" baseline="0" noProof="0" dirty="0">
                   <a:ln>
                     <a:noFill/>
                   </a:ln>
@@ -19351,7 +19384,7 @@
                   <a:latin typeface="Outfit"/>
                   <a:sym typeface="Outfit"/>
                 </a:rPr>
-                <a:t>Il dataset</a:t>
+                <a:t> dataset</a:t>
               </a:r>
             </a:p>
           </p:txBody>
@@ -19789,7 +19822,7 @@
                   <a:latin typeface="Outfit"/>
                   <a:sym typeface="Outfit"/>
                 </a:rPr>
-                <a:t>Obiettivi</a:t>
+                <a:t>Motivazioni</a:t>
               </a:r>
             </a:p>
           </p:txBody>
@@ -22750,7 +22783,7 @@
                   </a:schemeClr>
                 </a:solidFill>
               </a:rPr>
-              <a:t>Obiettivi</a:t>
+              <a:t>Motivazioni</a:t>
             </a:r>
           </a:p>
         </p:txBody>
@@ -25326,8 +25359,8 @@
         </p:nvSpPr>
         <p:spPr>
           <a:xfrm>
-            <a:off x="720000" y="126000"/>
-            <a:ext cx="8063999" cy="723245"/>
+            <a:off x="720000" y="149083"/>
+            <a:ext cx="8063999" cy="677078"/>
           </a:xfrm>
         </p:spPr>
         <p:txBody>
@@ -25338,14 +25371,14 @@
           <a:p>
             <a:pPr algn="r"/>
             <a:r>
-              <a:rPr lang="it-IT" dirty="0">
+              <a:rPr lang="it-IT" sz="3200" dirty="0">
                 <a:solidFill>
                   <a:schemeClr val="bg2">
                     <a:lumMod val="10000"/>
                   </a:schemeClr>
                 </a:solidFill>
               </a:rPr>
-              <a:t>Il dataset</a:t>
+              <a:t>Caratterizzazione del dataset</a:t>
             </a:r>
           </a:p>
         </p:txBody>
